--- a/doc/HTML/TIW_PRJ5_2020_2021_v2.pptx
+++ b/doc/HTML/TIW_PRJ5_2020_2021_v2.pptx
@@ -225,7 +225,7 @@
           <a:effectLst/>
           <a:extLst>
             <a:ext uri="{91240B29-F687-4f45-9708-019B960494DF}">
-              <a14:hiddenLine xmlns="" xmlns:a14="http://schemas.microsoft.com/office/drawing/2010/main" w="9525">
+              <a14:hiddenLine xmlns:a14="http://schemas.microsoft.com/office/drawing/2010/main" xmlns="" w="9525">
                 <a:solidFill>
                   <a:srgbClr val="000000"/>
                 </a:solidFill>
@@ -1735,7 +1735,7 @@
           <a:ln/>
           <a:extLst>
             <a:ext uri="{91240B29-F687-4f45-9708-019B960494DF}">
-              <a14:hiddenLine xmlns="" xmlns:a14="http://schemas.microsoft.com/office/drawing/2010/main" w="9525">
+              <a14:hiddenLine xmlns:a14="http://schemas.microsoft.com/office/drawing/2010/main" xmlns="" w="9525">
                 <a:solidFill>
                   <a:srgbClr val="000000"/>
                 </a:solidFill>
@@ -2007,7 +2007,7 @@
           <a:ln/>
           <a:extLst>
             <a:ext uri="{91240B29-F687-4f45-9708-019B960494DF}">
-              <a14:hiddenLine xmlns="" xmlns:a14="http://schemas.microsoft.com/office/drawing/2010/main" w="9525">
+              <a14:hiddenLine xmlns:a14="http://schemas.microsoft.com/office/drawing/2010/main" xmlns="" w="9525">
                 <a:solidFill>
                   <a:srgbClr val="000000"/>
                 </a:solidFill>
@@ -2287,7 +2287,7 @@
           <a:ln/>
           <a:extLst>
             <a:ext uri="{91240B29-F687-4f45-9708-019B960494DF}">
-              <a14:hiddenLine xmlns="" xmlns:a14="http://schemas.microsoft.com/office/drawing/2010/main" w="9525">
+              <a14:hiddenLine xmlns:a14="http://schemas.microsoft.com/office/drawing/2010/main" xmlns="" w="9525">
                 <a:solidFill>
                   <a:srgbClr val="000000"/>
                 </a:solidFill>
@@ -2907,7 +2907,7 @@
           <a:ln/>
           <a:extLst>
             <a:ext uri="{91240B29-F687-4f45-9708-019B960494DF}">
-              <a14:hiddenLine xmlns="" xmlns:a14="http://schemas.microsoft.com/office/drawing/2010/main" w="9525">
+              <a14:hiddenLine xmlns:a14="http://schemas.microsoft.com/office/drawing/2010/main" xmlns="" w="9525">
                 <a:solidFill>
                   <a:srgbClr val="000000"/>
                 </a:solidFill>
@@ -3243,7 +3243,7 @@
           <a:ln/>
           <a:extLst>
             <a:ext uri="{91240B29-F687-4f45-9708-019B960494DF}">
-              <a14:hiddenLine xmlns="" xmlns:a14="http://schemas.microsoft.com/office/drawing/2010/main" w="9525">
+              <a14:hiddenLine xmlns:a14="http://schemas.microsoft.com/office/drawing/2010/main" xmlns="" w="9525">
                 <a:solidFill>
                   <a:srgbClr val="000000"/>
                 </a:solidFill>
@@ -3717,7 +3717,7 @@
           <a:ln/>
           <a:extLst>
             <a:ext uri="{91240B29-F687-4f45-9708-019B960494DF}">
-              <a14:hiddenLine xmlns="" xmlns:a14="http://schemas.microsoft.com/office/drawing/2010/main" w="9525">
+              <a14:hiddenLine xmlns:a14="http://schemas.microsoft.com/office/drawing/2010/main" xmlns="" w="9525">
                 <a:solidFill>
                   <a:srgbClr val="000000"/>
                 </a:solidFill>
@@ -4140,7 +4140,7 @@
           <a:ln/>
           <a:extLst>
             <a:ext uri="{91240B29-F687-4f45-9708-019B960494DF}">
-              <a14:hiddenLine xmlns="" xmlns:a14="http://schemas.microsoft.com/office/drawing/2010/main" w="9525">
+              <a14:hiddenLine xmlns:a14="http://schemas.microsoft.com/office/drawing/2010/main" xmlns="" w="9525">
                 <a:solidFill>
                   <a:srgbClr val="000000"/>
                 </a:solidFill>
@@ -5582,7 +5582,6 @@
               <a:rPr lang="it-IT" dirty="0" smtClean="0"/>
               <a:t>Alcuni dettagli implementativi sono stati omessi in modo da fornire una visione consistente del flusso senza incorrere in descrizioni ripetitive o di poco interesse per lo scopo della presentazione.</a:t>
             </a:r>
-            <a:endParaRPr lang="it-IT" dirty="0" smtClean="0"/>
           </a:p>
           <a:p>
             <a:pPr lvl="1">
@@ -6608,7 +6607,7 @@
       </p:sp>
       <p:pic>
         <p:nvPicPr>
-          <p:cNvPr id="3" name="Picture 2"/>
+          <p:cNvPr id="5" name="Picture 4"/>
           <p:cNvPicPr>
             <a:picLocks noChangeAspect="1"/>
           </p:cNvPicPr>
@@ -6628,8 +6627,8 @@
         </p:blipFill>
         <p:spPr>
           <a:xfrm>
-            <a:off x="2516404" y="256614"/>
-            <a:ext cx="8596105" cy="6149873"/>
+            <a:off x="2879138" y="295289"/>
+            <a:ext cx="8044951" cy="6249203"/>
           </a:xfrm>
           <a:prstGeom prst="rect">
             <a:avLst/>
@@ -7592,7 +7591,27 @@
           <a:bodyPr/>
           <a:lstStyle/>
           <a:p>
-            <a:endParaRPr lang="en-US"/>
+            <a:r>
+              <a:rPr lang="en-US" dirty="0" err="1" smtClean="0"/>
+              <a:t>Analisi</a:t>
+            </a:r>
+            <a:r>
+              <a:rPr lang="en-US" dirty="0" smtClean="0"/>
+              <a:t> </a:t>
+            </a:r>
+            <a:r>
+              <a:rPr lang="en-US" dirty="0" err="1" smtClean="0"/>
+              <a:t>requisti</a:t>
+            </a:r>
+            <a:r>
+              <a:rPr lang="en-US" dirty="0" smtClean="0"/>
+              <a:t> </a:t>
+            </a:r>
+            <a:r>
+              <a:rPr lang="en-US" dirty="0" err="1" smtClean="0"/>
+              <a:t>applicazione</a:t>
+            </a:r>
+            <a:endParaRPr lang="en-US" dirty="0"/>
           </a:p>
         </p:txBody>
       </p:sp>
@@ -7606,31 +7625,254 @@
             <p:ph sz="half" idx="1"/>
           </p:nvPr>
         </p:nvSpPr>
-        <p:spPr/>
-        <p:txBody>
-          <a:bodyPr/>
+        <p:spPr>
+          <a:xfrm>
+            <a:off x="339634" y="1756954"/>
+            <a:ext cx="11384280" cy="4931229"/>
+          </a:xfrm>
+        </p:spPr>
+        <p:txBody>
+          <a:bodyPr>
+            <a:normAutofit fontScale="62500" lnSpcReduction="20000"/>
+          </a:bodyPr>
           <a:lstStyle/>
           <a:p>
-            <a:endParaRPr lang="en-US" dirty="0"/>
-          </a:p>
-        </p:txBody>
-      </p:sp>
-      <p:sp>
-        <p:nvSpPr>
-          <p:cNvPr id="4" name="Content Placeholder 3"/>
-          <p:cNvSpPr>
-            <a:spLocks noGrp="1"/>
-          </p:cNvSpPr>
-          <p:nvPr>
-            <p:ph sz="half" idx="2"/>
-          </p:nvPr>
-        </p:nvSpPr>
-        <p:spPr/>
-        <p:txBody>
-          <a:bodyPr/>
-          <a:lstStyle/>
-          <a:p>
-            <a:endParaRPr lang="en-US"/>
+            <a:pPr marL="0" indent="0" algn="just">
+              <a:buNone/>
+            </a:pPr>
+            <a:r>
+              <a:rPr lang="it-IT" dirty="0"/>
+              <a:t>Un’applicazione di commercio elettronico consente all’utente di visualizzare un catalogo di prodotti venduti da diversi fornitori, inserire prodotti in un carrello della spesa e creare un ordine di acquisto a partire dal contenuto del carrello. Un articolo ha un codice (campo chiave), un nome, una descrizione, una categoria merceologica e una foto. Lo stesso articolo (cioè codice articolo) può essere venduto da più fornitori a prezzi differenti. Un fornitore ha un codice, un nome, una valutazione da 1 a 5 stelle e una politica di spedizione. Un utente ha un nome, un cognome, un’e-mail, una password e un indirizzo di spedizione. La politica di spedizione precisa il prezzo della spedizione in base al numero di articoli ordinati. Ogni fornitore è libero di definire fasce di spesa. Una fascia di spesa ha un numero minimo, un numero massimo e un prezzo. Ad esempio: da 1 a 3 articoli 15€, da 4 a 10 articoli 20€, oltre a 10 articoli,  ecc. Oltre alla fascia di spesa, il fornitore può anche indicare un importo in euro oltre al quale la spedizione è gratuita. Se il totale supera la soglia per la gratuità della spedizione, la spedizione è gratuita indipendentemente dal numero di articoli. Dopo il login, l’utente accede a una </a:t>
+            </a:r>
+            <a:r>
+              <a:rPr lang="it-IT" dirty="0">
+                <a:solidFill>
+                  <a:srgbClr val="FF0000"/>
+                </a:solidFill>
+              </a:rPr>
+              <a:t>pagina HOME </a:t>
+            </a:r>
+            <a:r>
+              <a:rPr lang="it-IT" dirty="0"/>
+              <a:t>che mostra (come tutte le altre pagine) un menù con i link HOME, CARRELLO, ORDINI, </a:t>
+            </a:r>
+            <a:r>
+              <a:rPr lang="it-IT" dirty="0">
+                <a:solidFill>
+                  <a:srgbClr val="00B050"/>
+                </a:solidFill>
+              </a:rPr>
+              <a:t>un campo di ricerca </a:t>
+            </a:r>
+            <a:r>
+              <a:rPr lang="it-IT" dirty="0"/>
+              <a:t>e </a:t>
+            </a:r>
+            <a:r>
+              <a:rPr lang="it-IT" dirty="0">
+                <a:solidFill>
+                  <a:srgbClr val="00B050"/>
+                </a:solidFill>
+              </a:rPr>
+              <a:t>una lista degli ultimi cinque prodotti visualizzati dall’utente</a:t>
+            </a:r>
+            <a:r>
+              <a:rPr lang="it-IT" dirty="0"/>
+              <a:t>. Se l’utente non ha visualizzato almeno cinque prodotti, la lista è completata con prodotti in offerta scelti a caso in una categoria di default. L’utente può inserire una parola chiave di ricerca nel campo di input e premere INVIO</a:t>
+            </a:r>
+            <a:r>
+              <a:rPr lang="it-IT" dirty="0" smtClean="0"/>
+              <a:t>. A seguito dell’invio compare una </a:t>
+            </a:r>
+            <a:r>
+              <a:rPr lang="it-IT" dirty="0" smtClean="0">
+                <a:solidFill>
+                  <a:srgbClr val="FF0000"/>
+                </a:solidFill>
+              </a:rPr>
+              <a:t>pagina RISULTATI </a:t>
+            </a:r>
+            <a:r>
+              <a:rPr lang="it-IT" dirty="0" smtClean="0"/>
+              <a:t>con prodotti che contengono la chiave di ricerca nel nome o nella descrizione. L’elenco mostra solo il </a:t>
+            </a:r>
+            <a:r>
+              <a:rPr lang="it-IT" dirty="0">
+                <a:solidFill>
+                  <a:srgbClr val="00B050"/>
+                </a:solidFill>
+              </a:rPr>
+              <a:t>codice, </a:t>
+            </a:r>
+            <a:r>
+              <a:rPr lang="it-IT" dirty="0">
+                <a:solidFill>
+                  <a:srgbClr val="00B050"/>
+                </a:solidFill>
+              </a:rPr>
+              <a:t>il </a:t>
+            </a:r>
+            <a:r>
+              <a:rPr lang="it-IT" dirty="0">
+                <a:solidFill>
+                  <a:srgbClr val="00B050"/>
+                </a:solidFill>
+              </a:rPr>
+              <a:t>nome del prodotto e il prezzo minimo di vendita</a:t>
+            </a:r>
+            <a:r>
+              <a:rPr lang="it-IT" dirty="0"/>
+              <a:t> ed è </a:t>
+            </a:r>
+            <a:r>
+              <a:rPr lang="it-IT" dirty="0" smtClean="0"/>
+              <a:t>ordinato </a:t>
+            </a:r>
+            <a:r>
+              <a:rPr lang="it-IT" dirty="0"/>
+              <a:t>in modo crescente in base al prezzo minimo di vendita dell’articolo da parte dei fornitori che lo offrono. L’utente può selezionare mediante un click un elemento dell'elenco e visualizzare nella stessa pagina i dati completi e l’elenco dei fornitori che lo vendono (questa azione rende l’articolo “visualizzato”). Per ogni fornitore in tale elenco compaiono: </a:t>
+            </a:r>
+            <a:r>
+              <a:rPr lang="it-IT" dirty="0">
+                <a:solidFill>
+                  <a:srgbClr val="00B050"/>
+                </a:solidFill>
+              </a:rPr>
+              <a:t>nome, valutazione, prezzo unitario, fasce di spesa di spedizione, importo minimo della spedizione gratuita e il numero degli articoli e valore totale degli articoli di quel fornitore </a:t>
+            </a:r>
+            <a:r>
+              <a:rPr lang="it-IT" dirty="0"/>
+              <a:t>che l’utente ha già messo nel carrello. Accanto all’offerta di ciascun fornitore compare un </a:t>
+            </a:r>
+            <a:r>
+              <a:rPr lang="it-IT" dirty="0">
+                <a:solidFill>
+                  <a:srgbClr val="00B050"/>
+                </a:solidFill>
+              </a:rPr>
+              <a:t>campo di input intero (quantità) </a:t>
+            </a:r>
+            <a:r>
+              <a:rPr lang="it-IT" dirty="0"/>
+              <a:t>e un bottone METTI NEL CARRELLO. L’inserimento nel carrello di una quantità maggiore di zero di articoli comporta l’aggiornamento del contenuto del  carrello e la visualizzazione della </a:t>
+            </a:r>
+            <a:r>
+              <a:rPr lang="it-IT" dirty="0">
+                <a:solidFill>
+                  <a:srgbClr val="FF0000"/>
+                </a:solidFill>
+              </a:rPr>
+              <a:t>pagina CARRELLO</a:t>
+            </a:r>
+            <a:r>
+              <a:rPr lang="it-IT" dirty="0"/>
+              <a:t>. Questa mostra gli articoli inseriti, raggruppati per fornitore. Per ogni fornitore nel carrello si vedono la lista degli articoli, il prezzo totale degli articoli e il prezzo della spedizione calcolato in base alla politica del fornitore. Per ogni fornitore  compare un bottone ORDINA. Premere il bottone comporta l’eliminazione degli articoli del fornitore dal carrello e la creazione di un ordine corrispondente. Un ordine ha un codice, il nome del fornitore, l’elenco degli articoli, un valore totale composto dalla somma del valore degli articoli e delle spese di spedizione, una data di spedizione e l’indirizzo di spedizione dell’utente. I valori degli attributi di un ordine sono memorizzati esplicitamente nella base di dati indipendentemente dai dati del carrello. In ogni momento l’utente può accedere tramite il menu alla pagina HOME, ORDINI e CARRELLO. La </a:t>
+            </a:r>
+            <a:r>
+              <a:rPr lang="it-IT" dirty="0">
+                <a:solidFill>
+                  <a:srgbClr val="FF0000"/>
+                </a:solidFill>
+              </a:rPr>
+              <a:t>pagina ORDINI</a:t>
+            </a:r>
+            <a:r>
+              <a:rPr lang="it-IT" dirty="0"/>
+              <a:t> mostra l’elenco ordinato per data decrescente degli ordini con tutti i dati associati.</a:t>
+            </a:r>
+            <a:endParaRPr lang="it-IT" dirty="0"/>
+          </a:p>
+          <a:p>
+            <a:pPr marL="0" indent="0" algn="just">
+              <a:buNone/>
+            </a:pPr>
+            <a:r>
+              <a:rPr lang="it-IT" dirty="0"/>
+              <a:t>L’applicazione NON salva il carrello nella base di dati ma solo gli ordini</a:t>
+            </a:r>
+            <a:r>
+              <a:rPr lang="it-IT" dirty="0" smtClean="0"/>
+              <a:t>.</a:t>
+            </a:r>
+          </a:p>
+          <a:p>
+            <a:pPr algn="just">
+              <a:buFont typeface="Courier New" panose="02070309020205020404" pitchFamily="49" charset="0"/>
+              <a:buChar char="o"/>
+            </a:pPr>
+            <a:r>
+              <a:rPr lang="it-IT" dirty="0">
+                <a:solidFill>
+                  <a:srgbClr val="FF0000"/>
+                </a:solidFill>
+              </a:rPr>
+              <a:t>pages (views), </a:t>
+            </a:r>
+            <a:r>
+              <a:rPr lang="it-IT" dirty="0">
+                <a:solidFill>
+                  <a:srgbClr val="00B050"/>
+                </a:solidFill>
+              </a:rPr>
+              <a:t>view comp</a:t>
+            </a:r>
+            <a:r>
+              <a:rPr lang="it-IT" dirty="0">
+                <a:solidFill>
+                  <a:schemeClr val="accent4">
+                    <a:lumMod val="75000"/>
+                  </a:schemeClr>
+                </a:solidFill>
+              </a:rPr>
+              <a:t>on</a:t>
+            </a:r>
+            <a:r>
+              <a:rPr lang="it-IT" dirty="0">
+                <a:solidFill>
+                  <a:srgbClr val="00B050"/>
+                </a:solidFill>
+              </a:rPr>
+              <a:t>ents</a:t>
+            </a:r>
+            <a:r>
+              <a:rPr lang="it-IT" dirty="0"/>
+              <a:t>, </a:t>
+            </a:r>
+            <a:r>
+              <a:rPr lang="it-IT" dirty="0">
+                <a:solidFill>
+                  <a:srgbClr val="00B0F0"/>
+                </a:solidFill>
+              </a:rPr>
+              <a:t>events</a:t>
+            </a:r>
+            <a:r>
+              <a:rPr lang="it-IT" dirty="0"/>
+              <a:t>, </a:t>
+            </a:r>
+            <a:r>
+              <a:rPr lang="it-IT" dirty="0">
+                <a:solidFill>
+                  <a:schemeClr val="accent4">
+                    <a:lumMod val="75000"/>
+                  </a:schemeClr>
+                </a:solidFill>
+              </a:rPr>
+              <a:t>actions</a:t>
+            </a:r>
+            <a:endParaRPr lang="en-US" dirty="0">
+              <a:solidFill>
+                <a:schemeClr val="accent4">
+                  <a:lumMod val="75000"/>
+                </a:schemeClr>
+              </a:solidFill>
+            </a:endParaRPr>
+          </a:p>
+          <a:p>
+            <a:pPr marL="0" indent="0" algn="just">
+              <a:buNone/>
+            </a:pPr>
+            <a:endParaRPr lang="it-IT" dirty="0" smtClean="0"/>
           </a:p>
         </p:txBody>
       </p:sp>
@@ -8745,7 +8987,6 @@
               <a:rPr lang="it-IT" dirty="0" smtClean="0"/>
               <a:t>pwd): Optional&lt;UserBean&gt;</a:t>
             </a:r>
-            <a:endParaRPr lang="it-IT" dirty="0" smtClean="0"/>
           </a:p>
           <a:p>
             <a:pPr lvl="1">
@@ -8818,7 +9059,6 @@
               <a:rPr lang="it-IT" dirty="0" smtClean="0"/>
               <a:t>getArticePrice(sellerId, articleId): price</a:t>
             </a:r>
-            <a:endParaRPr lang="it-IT" dirty="0" smtClean="0"/>
           </a:p>
           <a:p>
             <a:pPr lvl="1">
@@ -8869,7 +9109,6 @@
               <a:rPr lang="it-IT" dirty="0" smtClean="0"/>
               <a:t>findArticlesByOrderId(orderId, sellerId): List&lt;ArticleBean&gt;</a:t>
             </a:r>
-            <a:endParaRPr lang="it-IT" dirty="0" smtClean="0"/>
           </a:p>
         </p:txBody>
       </p:sp>
@@ -9852,11 +10091,7 @@
             </a:pPr>
             <a:r>
               <a:rPr lang="it-IT" dirty="0" smtClean="0"/>
-              <a:t>l</a:t>
-            </a:r>
-            <a:r>
-              <a:rPr lang="it-IT" dirty="0" smtClean="0"/>
-              <a:t>ogin.css</a:t>
+              <a:t>login.css</a:t>
             </a:r>
           </a:p>
           <a:p>
@@ -9876,11 +10111,7 @@
             </a:pPr>
             <a:r>
               <a:rPr lang="it-IT" dirty="0" smtClean="0"/>
-              <a:t>n</a:t>
-            </a:r>
-            <a:r>
-              <a:rPr lang="it-IT" dirty="0" smtClean="0"/>
-              <a:t>avbar.css</a:t>
+              <a:t>navbar.css</a:t>
             </a:r>
           </a:p>
           <a:p>
@@ -9900,13 +10131,8 @@
             </a:pPr>
             <a:r>
               <a:rPr lang="it-IT" dirty="0" smtClean="0"/>
-              <a:t>a</a:t>
-            </a:r>
-            <a:r>
-              <a:rPr lang="it-IT" dirty="0" smtClean="0"/>
-              <a:t>rticle-details.css</a:t>
-            </a:r>
-            <a:endParaRPr lang="it-IT" dirty="0" smtClean="0"/>
+              <a:t>article-details.css</a:t>
+            </a:r>
           </a:p>
         </p:txBody>
       </p:sp>
@@ -10161,18 +10387,18 @@
 </file>
 
 <file path=customXml/item1.xml><?xml version="1.0" encoding="utf-8"?>
-<p:properties xmlns:p="http://schemas.microsoft.com/office/2006/metadata/properties" xmlns:xsi="http://www.w3.org/2001/XMLSchema-instance" xmlns:pc="http://schemas.microsoft.com/office/infopath/2007/PartnerControls">
-  <documentManagement/>
-</p:properties>
-</file>
-
-<file path=customXml/item2.xml><?xml version="1.0" encoding="utf-8"?>
 <?mso-contentType ?>
 <FormTemplates xmlns="http://schemas.microsoft.com/sharepoint/v3/contenttype/forms">
   <Display>DocumentLibraryForm</Display>
   <Edit>DocumentLibraryForm</Edit>
   <New>DocumentLibraryForm</New>
 </FormTemplates>
+</file>
+
+<file path=customXml/item2.xml><?xml version="1.0" encoding="utf-8"?>
+<p:properties xmlns:p="http://schemas.microsoft.com/office/2006/metadata/properties" xmlns:xsi="http://www.w3.org/2001/XMLSchema-instance" xmlns:pc="http://schemas.microsoft.com/office/infopath/2007/PartnerControls">
+  <documentManagement/>
+</p:properties>
 </file>
 
 <file path=customXml/item3.xml><?xml version="1.0" encoding="utf-8"?>
@@ -10405,26 +10631,26 @@
 </file>
 
 <file path=customXml/itemProps1.xml><?xml version="1.0" encoding="utf-8"?>
-<ds:datastoreItem xmlns:ds="http://schemas.openxmlformats.org/officeDocument/2006/customXml" ds:itemID="{C3A5048E-4585-4A41-9B60-63684990786A}">
+<ds:datastoreItem xmlns:ds="http://schemas.openxmlformats.org/officeDocument/2006/customXml" ds:itemID="{61FAD3DF-8367-436C-B779-79F89133C2B9}">
   <ds:schemaRefs>
-    <ds:schemaRef ds:uri="7faec442-65fb-4342-af88-d7bf081dd003"/>
-    <ds:schemaRef ds:uri="a39ed30e-e404-40bb-8308-aa03e085f91e"/>
-    <ds:schemaRef ds:uri="http://schemas.microsoft.com/office/infopath/2007/PartnerControls"/>
-    <ds:schemaRef ds:uri="http://purl.org/dc/dcmitype/"/>
-    <ds:schemaRef ds:uri="http://purl.org/dc/terms/"/>
-    <ds:schemaRef ds:uri="http://schemas.microsoft.com/office/2006/documentManagement/types"/>
-    <ds:schemaRef ds:uri="http://schemas.microsoft.com/office/2006/metadata/properties"/>
-    <ds:schemaRef ds:uri="http://schemas.openxmlformats.org/package/2006/metadata/core-properties"/>
-    <ds:schemaRef ds:uri="http://www.w3.org/XML/1998/namespace"/>
-    <ds:schemaRef ds:uri="http://purl.org/dc/elements/1.1/"/>
+    <ds:schemaRef ds:uri="http://schemas.microsoft.com/sharepoint/v3/contenttype/forms"/>
   </ds:schemaRefs>
 </ds:datastoreItem>
 </file>
 
 <file path=customXml/itemProps2.xml><?xml version="1.0" encoding="utf-8"?>
-<ds:datastoreItem xmlns:ds="http://schemas.openxmlformats.org/officeDocument/2006/customXml" ds:itemID="{61FAD3DF-8367-436C-B779-79F89133C2B9}">
+<ds:datastoreItem xmlns:ds="http://schemas.openxmlformats.org/officeDocument/2006/customXml" ds:itemID="{C3A5048E-4585-4A41-9B60-63684990786A}">
   <ds:schemaRefs>
-    <ds:schemaRef ds:uri="http://schemas.microsoft.com/sharepoint/v3/contenttype/forms"/>
+    <ds:schemaRef ds:uri="http://purl.org/dc/elements/1.1/"/>
+    <ds:schemaRef ds:uri="a39ed30e-e404-40bb-8308-aa03e085f91e"/>
+    <ds:schemaRef ds:uri="http://purl.org/dc/terms/"/>
+    <ds:schemaRef ds:uri="http://schemas.microsoft.com/office/2006/metadata/properties"/>
+    <ds:schemaRef ds:uri="http://schemas.microsoft.com/office/2006/documentManagement/types"/>
+    <ds:schemaRef ds:uri="http://purl.org/dc/dcmitype/"/>
+    <ds:schemaRef ds:uri="http://schemas.microsoft.com/office/infopath/2007/PartnerControls"/>
+    <ds:schemaRef ds:uri="http://schemas.openxmlformats.org/package/2006/metadata/core-properties"/>
+    <ds:schemaRef ds:uri="7faec442-65fb-4342-af88-d7bf081dd003"/>
+    <ds:schemaRef ds:uri="http://www.w3.org/XML/1998/namespace"/>
   </ds:schemaRefs>
 </ds:datastoreItem>
 </file>
